--- a/tests/test_files/ppt_example.pptx
+++ b/tests/test_files/ppt_example.pptx
@@ -1199,7 +1199,7 @@
           <a:p>
             <a:fld id="{2E05C6F0-B5B9-4E5B-BE48-682C293DE264}" type="datetimeFigureOut">
               <a:rPr lang="zh-CN" altLang="en-US" smtClean="0"/>
-              <a:t>2023/6/15</a:t>
+              <a:t>2023/6/17</a:t>
             </a:fld>
             <a:endParaRPr lang="zh-CN" altLang="en-US"/>
           </a:p>
@@ -1783,7 +1783,7 @@
           <a:p>
             <a:fld id="{ADE29097-F538-4996-AD85-B9AE779776D6}" type="datetimeFigureOut">
               <a:rPr lang="zh-CN" altLang="en-US" smtClean="0"/>
-              <a:t>2023/6/15</a:t>
+              <a:t>2023/6/17</a:t>
             </a:fld>
             <a:endParaRPr lang="zh-CN" altLang="en-US"/>
           </a:p>
@@ -1991,7 +1991,7 @@
           <a:p>
             <a:fld id="{ADE29097-F538-4996-AD85-B9AE779776D6}" type="datetimeFigureOut">
               <a:rPr lang="zh-CN" altLang="en-US" smtClean="0"/>
-              <a:t>2023/6/15</a:t>
+              <a:t>2023/6/17</a:t>
             </a:fld>
             <a:endParaRPr lang="zh-CN" altLang="en-US"/>
           </a:p>
@@ -2189,7 +2189,7 @@
           <a:p>
             <a:fld id="{ADE29097-F538-4996-AD85-B9AE779776D6}" type="datetimeFigureOut">
               <a:rPr lang="zh-CN" altLang="en-US" smtClean="0"/>
-              <a:t>2023/6/15</a:t>
+              <a:t>2023/6/17</a:t>
             </a:fld>
             <a:endParaRPr lang="zh-CN" altLang="en-US"/>
           </a:p>
@@ -2464,7 +2464,7 @@
           <a:p>
             <a:fld id="{ADE29097-F538-4996-AD85-B9AE779776D6}" type="datetimeFigureOut">
               <a:rPr lang="zh-CN" altLang="en-US" smtClean="0"/>
-              <a:t>2023/6/15</a:t>
+              <a:t>2023/6/17</a:t>
             </a:fld>
             <a:endParaRPr lang="zh-CN" altLang="en-US"/>
           </a:p>
@@ -2729,7 +2729,7 @@
           <a:p>
             <a:fld id="{ADE29097-F538-4996-AD85-B9AE779776D6}" type="datetimeFigureOut">
               <a:rPr lang="zh-CN" altLang="en-US" smtClean="0"/>
-              <a:t>2023/6/15</a:t>
+              <a:t>2023/6/17</a:t>
             </a:fld>
             <a:endParaRPr lang="zh-CN" altLang="en-US"/>
           </a:p>
@@ -3141,7 +3141,7 @@
           <a:p>
             <a:fld id="{ADE29097-F538-4996-AD85-B9AE779776D6}" type="datetimeFigureOut">
               <a:rPr lang="zh-CN" altLang="en-US" smtClean="0"/>
-              <a:t>2023/6/15</a:t>
+              <a:t>2023/6/17</a:t>
             </a:fld>
             <a:endParaRPr lang="zh-CN" altLang="en-US"/>
           </a:p>
@@ -3282,7 +3282,7 @@
           <a:p>
             <a:fld id="{ADE29097-F538-4996-AD85-B9AE779776D6}" type="datetimeFigureOut">
               <a:rPr lang="zh-CN" altLang="en-US" smtClean="0"/>
-              <a:t>2023/6/15</a:t>
+              <a:t>2023/6/17</a:t>
             </a:fld>
             <a:endParaRPr lang="zh-CN" altLang="en-US"/>
           </a:p>
@@ -3395,7 +3395,7 @@
           <a:p>
             <a:fld id="{ADE29097-F538-4996-AD85-B9AE779776D6}" type="datetimeFigureOut">
               <a:rPr lang="zh-CN" altLang="en-US" smtClean="0"/>
-              <a:t>2023/6/15</a:t>
+              <a:t>2023/6/17</a:t>
             </a:fld>
             <a:endParaRPr lang="zh-CN" altLang="en-US"/>
           </a:p>
@@ -3706,7 +3706,7 @@
           <a:p>
             <a:fld id="{ADE29097-F538-4996-AD85-B9AE779776D6}" type="datetimeFigureOut">
               <a:rPr lang="zh-CN" altLang="en-US" smtClean="0"/>
-              <a:t>2023/6/15</a:t>
+              <a:t>2023/6/17</a:t>
             </a:fld>
             <a:endParaRPr lang="zh-CN" altLang="en-US"/>
           </a:p>
@@ -3994,7 +3994,7 @@
           <a:p>
             <a:fld id="{ADE29097-F538-4996-AD85-B9AE779776D6}" type="datetimeFigureOut">
               <a:rPr lang="zh-CN" altLang="en-US" smtClean="0"/>
-              <a:t>2023/6/15</a:t>
+              <a:t>2023/6/17</a:t>
             </a:fld>
             <a:endParaRPr lang="zh-CN" altLang="en-US"/>
           </a:p>
@@ -4235,7 +4235,7 @@
           <a:p>
             <a:fld id="{ADE29097-F538-4996-AD85-B9AE779776D6}" type="datetimeFigureOut">
               <a:rPr lang="zh-CN" altLang="en-US" smtClean="0"/>
-              <a:t>2023/6/15</a:t>
+              <a:t>2023/6/17</a:t>
             </a:fld>
             <a:endParaRPr lang="zh-CN" altLang="en-US"/>
           </a:p>
@@ -5537,8 +5537,8 @@
           </a:graphicData>
         </a:graphic>
       </p:graphicFrame>
-      <mc:AlternateContent xmlns:mc="http://schemas.openxmlformats.org/markup-compatibility/2006">
-        <mc:Choice xmlns:a14="http://schemas.microsoft.com/office/drawing/2010/main" Requires="a14">
+      <mc:AlternateContent xmlns:mc="http://schemas.openxmlformats.org/markup-compatibility/2006" xmlns:a14="http://schemas.microsoft.com/office/drawing/2010/main">
+        <mc:Choice Requires="a14">
           <p:sp>
             <p:nvSpPr>
               <p:cNvPr id="3" name="文本框 2"/>
@@ -5548,7 +5548,7 @@
             <p:spPr>
               <a:xfrm>
                 <a:off x="4873224" y="3730922"/>
-                <a:ext cx="1327286" cy="276999"/>
+                <a:ext cx="2077492" cy="553998"/>
               </a:xfrm>
               <a:prstGeom prst="rect">
                 <a:avLst/>
@@ -5561,6 +5561,18 @@
               </a:bodyPr>
               <a:lstStyle/>
               <a:p>
+                <a:r>
+                  <a:rPr lang="zh-CN" altLang="en-US" b="0" i="1" dirty="0" smtClean="0">
+                    <a:latin typeface="Cambria Math" panose="02040503050406030204" pitchFamily="18" charset="0"/>
+                  </a:rPr>
+                  <a:t>这是一个重要的公式</a:t>
+                </a:r>
+                <a:endParaRPr lang="en-US" altLang="zh-CN" b="0" i="1" dirty="0" smtClean="0">
+                  <a:latin typeface="Cambria Math" panose="02040503050406030204" pitchFamily="18" charset="0"/>
+                </a:endParaRPr>
+              </a:p>
+              <a:p>
+                <a:pPr/>
                 <a14:m>
                   <m:oMathPara xmlns:m="http://schemas.openxmlformats.org/officeDocument/2006/math">
                     <m:oMathParaPr>
@@ -5662,7 +5674,7 @@
             </p:txBody>
           </p:sp>
         </mc:Choice>
-        <mc:Fallback>
+        <mc:Fallback xmlns="">
           <p:sp>
             <p:nvSpPr>
               <p:cNvPr id="3" name="文本框 2"/>
@@ -5674,7 +5686,7 @@
             <p:spPr>
               <a:xfrm>
                 <a:off x="4873224" y="3730922"/>
-                <a:ext cx="1327286" cy="276999"/>
+                <a:ext cx="2077492" cy="553998"/>
               </a:xfrm>
               <a:prstGeom prst="rect">
                 <a:avLst/>
@@ -5682,7 +5694,7 @@
               <a:blipFill>
                 <a:blip r:embed="rId4"/>
                 <a:stretch>
-                  <a:fillRect l="-2294" r="-1835" b="-13333"/>
+                  <a:fillRect l="-6745" t="-14286" r="-6745" b="-5495"/>
                 </a:stretch>
               </a:blipFill>
             </p:spPr>
@@ -5710,7 +5722,7 @@
         <p:spPr>
           <a:xfrm>
             <a:off x="270378" y="5330258"/>
-            <a:ext cx="9809017" cy="1240696"/>
+            <a:ext cx="7839581" cy="1477328"/>
           </a:xfrm>
           <a:prstGeom prst="rect">
             <a:avLst/>
@@ -5818,6 +5830,36 @@
           </a:graphicData>
         </a:graphic>
       </p:graphicFrame>
+      <p:sp>
+        <p:nvSpPr>
+          <p:cNvPr id="5" name="文本框 4"/>
+          <p:cNvSpPr txBox="1"/>
+          <p:nvPr/>
+        </p:nvSpPr>
+        <p:spPr>
+          <a:xfrm>
+            <a:off x="8579978" y="5751320"/>
+            <a:ext cx="2031325" cy="369332"/>
+          </a:xfrm>
+          <a:prstGeom prst="rect">
+            <a:avLst/>
+          </a:prstGeom>
+          <a:noFill/>
+        </p:spPr>
+        <p:txBody>
+          <a:bodyPr wrap="none" rtlCol="0">
+            <a:spAutoFit/>
+          </a:bodyPr>
+          <a:lstStyle/>
+          <a:p>
+            <a:r>
+              <a:rPr lang="zh-CN" altLang="en-US" smtClean="0"/>
+              <a:t>这是另一个文本框</a:t>
+            </a:r>
+            <a:endParaRPr lang="zh-CN" altLang="en-US"/>
+          </a:p>
+        </p:txBody>
+      </p:sp>
     </p:spTree>
     <p:extLst>
       <p:ext uri="{BB962C8B-B14F-4D97-AF65-F5344CB8AC3E}">
